--- a/liguangyu0112.pptx
+++ b/liguangyu0112.pptx
@@ -326,7 +326,7 @@
             <a:fld id="{530820CF-B880-4189-942D-D702A7CBA730}" type="datetimeFigureOut">
               <a:rPr lang="zh-CN" altLang="en-US" smtClean="0"/>
               <a:pPr/>
-              <a:t>2019/1/9</a:t>
+              <a:t>2019/1/12</a:t>
             </a:fld>
             <a:endParaRPr lang="zh-CN" altLang="en-US"/>
           </a:p>
@@ -491,7 +491,7 @@
             <a:fld id="{530820CF-B880-4189-942D-D702A7CBA730}" type="datetimeFigureOut">
               <a:rPr lang="zh-CN" altLang="en-US" smtClean="0"/>
               <a:pPr/>
-              <a:t>2019/1/9</a:t>
+              <a:t>2019/1/12</a:t>
             </a:fld>
             <a:endParaRPr lang="zh-CN" altLang="en-US"/>
           </a:p>
@@ -666,7 +666,7 @@
             <a:fld id="{530820CF-B880-4189-942D-D702A7CBA730}" type="datetimeFigureOut">
               <a:rPr lang="zh-CN" altLang="en-US" smtClean="0"/>
               <a:pPr/>
-              <a:t>2019/1/9</a:t>
+              <a:t>2019/1/12</a:t>
             </a:fld>
             <a:endParaRPr lang="zh-CN" altLang="en-US"/>
           </a:p>
@@ -831,7 +831,7 @@
             <a:fld id="{530820CF-B880-4189-942D-D702A7CBA730}" type="datetimeFigureOut">
               <a:rPr lang="zh-CN" altLang="en-US" smtClean="0"/>
               <a:pPr/>
-              <a:t>2019/1/9</a:t>
+              <a:t>2019/1/12</a:t>
             </a:fld>
             <a:endParaRPr lang="zh-CN" altLang="en-US"/>
           </a:p>
@@ -1073,7 +1073,7 @@
             <a:fld id="{530820CF-B880-4189-942D-D702A7CBA730}" type="datetimeFigureOut">
               <a:rPr lang="zh-CN" altLang="en-US" smtClean="0"/>
               <a:pPr/>
-              <a:t>2019/1/9</a:t>
+              <a:t>2019/1/12</a:t>
             </a:fld>
             <a:endParaRPr lang="zh-CN" altLang="en-US"/>
           </a:p>
@@ -1355,7 +1355,7 @@
             <a:fld id="{530820CF-B880-4189-942D-D702A7CBA730}" type="datetimeFigureOut">
               <a:rPr lang="zh-CN" altLang="en-US" smtClean="0"/>
               <a:pPr/>
-              <a:t>2019/1/9</a:t>
+              <a:t>2019/1/12</a:t>
             </a:fld>
             <a:endParaRPr lang="zh-CN" altLang="en-US"/>
           </a:p>
@@ -1771,7 +1771,7 @@
             <a:fld id="{530820CF-B880-4189-942D-D702A7CBA730}" type="datetimeFigureOut">
               <a:rPr lang="zh-CN" altLang="en-US" smtClean="0"/>
               <a:pPr/>
-              <a:t>2019/1/9</a:t>
+              <a:t>2019/1/12</a:t>
             </a:fld>
             <a:endParaRPr lang="zh-CN" altLang="en-US"/>
           </a:p>
@@ -1885,7 +1885,7 @@
             <a:fld id="{530820CF-B880-4189-942D-D702A7CBA730}" type="datetimeFigureOut">
               <a:rPr lang="zh-CN" altLang="en-US" smtClean="0"/>
               <a:pPr/>
-              <a:t>2019/1/9</a:t>
+              <a:t>2019/1/12</a:t>
             </a:fld>
             <a:endParaRPr lang="zh-CN" altLang="en-US"/>
           </a:p>
@@ -1977,7 +1977,7 @@
             <a:fld id="{530820CF-B880-4189-942D-D702A7CBA730}" type="datetimeFigureOut">
               <a:rPr lang="zh-CN" altLang="en-US" smtClean="0"/>
               <a:pPr/>
-              <a:t>2019/1/9</a:t>
+              <a:t>2019/1/12</a:t>
             </a:fld>
             <a:endParaRPr lang="zh-CN" altLang="en-US"/>
           </a:p>
@@ -2249,7 +2249,7 @@
             <a:fld id="{530820CF-B880-4189-942D-D702A7CBA730}" type="datetimeFigureOut">
               <a:rPr lang="zh-CN" altLang="en-US" smtClean="0"/>
               <a:pPr/>
-              <a:t>2019/1/9</a:t>
+              <a:t>2019/1/12</a:t>
             </a:fld>
             <a:endParaRPr lang="zh-CN" altLang="en-US"/>
           </a:p>
@@ -2498,7 +2498,7 @@
             <a:fld id="{530820CF-B880-4189-942D-D702A7CBA730}" type="datetimeFigureOut">
               <a:rPr lang="zh-CN" altLang="en-US" smtClean="0"/>
               <a:pPr/>
-              <a:t>2019/1/9</a:t>
+              <a:t>2019/1/12</a:t>
             </a:fld>
             <a:endParaRPr lang="zh-CN" altLang="en-US"/>
           </a:p>
@@ -2706,7 +2706,7 @@
             <a:fld id="{530820CF-B880-4189-942D-D702A7CBA730}" type="datetimeFigureOut">
               <a:rPr lang="zh-CN" altLang="en-US" smtClean="0"/>
               <a:pPr/>
-              <a:t>2019/1/9</a:t>
+              <a:t>2019/1/12</a:t>
             </a:fld>
             <a:endParaRPr lang="zh-CN" altLang="en-US"/>
           </a:p>
@@ -3213,11 +3213,11 @@
             </a:pPr>
             <a:r>
               <a:rPr lang="en-US" altLang="zh-CN" sz="2400" dirty="0"/>
-              <a:t>is cross </a:t>
+              <a:t>is </a:t>
             </a:r>
             <a:r>
               <a:rPr lang="en-US" altLang="zh-CN" sz="2400" dirty="0" err="1"/>
-              <a:t>entropy.The</a:t>
+              <a:t>MSE.The</a:t>
             </a:r>
             <a:r>
               <a:rPr lang="en-US" altLang="zh-CN" sz="2400" dirty="0"/>
